--- a/reference.pptx
+++ b/reference.pptx
@@ -198,7 +198,7 @@
           <a:p>
             <a:fld id="{77E41C1C-4D84-4077-B863-CECA71DE9336}" type="datetimeFigureOut">
               <a:rPr kumimoji="1" lang="ja-JP" altLang="en-US" smtClean="0"/>
-              <a:t>2024/4/22</a:t>
+              <a:t>2024/8/5</a:t>
             </a:fld>
             <a:endParaRPr kumimoji="1" lang="ja-JP" altLang="en-US"/>
           </a:p>
@@ -262,70 +262,69 @@
           <a:p>
             <a:pPr lvl="0"/>
             <a:r>
-              <a:rPr kumimoji="1" lang="ja-JP" altLang="en-US" smtClean="0"/>
+              <a:rPr kumimoji="1" lang="ja-JP" altLang="en-US"/>
               <a:t>マスター テキストの書式設定</a:t>
             </a:r>
           </a:p>
           <a:p>
             <a:pPr lvl="1"/>
             <a:r>
-              <a:rPr kumimoji="1" lang="ja-JP" altLang="en-US" smtClean="0"/>
+              <a:rPr kumimoji="1" lang="ja-JP" altLang="en-US"/>
               <a:t>第 </a:t>
             </a:r>
             <a:r>
-              <a:rPr kumimoji="1" lang="en-US" altLang="ja-JP" smtClean="0"/>
+              <a:rPr kumimoji="1" lang="en-US" altLang="ja-JP"/>
               <a:t>2 </a:t>
             </a:r>
             <a:r>
-              <a:rPr kumimoji="1" lang="ja-JP" altLang="en-US" smtClean="0"/>
+              <a:rPr kumimoji="1" lang="ja-JP" altLang="en-US"/>
               <a:t>レベル</a:t>
             </a:r>
           </a:p>
           <a:p>
             <a:pPr lvl="2"/>
             <a:r>
-              <a:rPr kumimoji="1" lang="ja-JP" altLang="en-US" smtClean="0"/>
+              <a:rPr kumimoji="1" lang="ja-JP" altLang="en-US"/>
               <a:t>第 </a:t>
             </a:r>
             <a:r>
-              <a:rPr kumimoji="1" lang="en-US" altLang="ja-JP" smtClean="0"/>
+              <a:rPr kumimoji="1" lang="en-US" altLang="ja-JP"/>
               <a:t>3 </a:t>
             </a:r>
             <a:r>
-              <a:rPr kumimoji="1" lang="ja-JP" altLang="en-US" smtClean="0"/>
+              <a:rPr kumimoji="1" lang="ja-JP" altLang="en-US"/>
               <a:t>レベル</a:t>
             </a:r>
           </a:p>
           <a:p>
             <a:pPr lvl="3"/>
             <a:r>
-              <a:rPr kumimoji="1" lang="ja-JP" altLang="en-US" smtClean="0"/>
+              <a:rPr kumimoji="1" lang="ja-JP" altLang="en-US"/>
               <a:t>第 </a:t>
             </a:r>
             <a:r>
-              <a:rPr kumimoji="1" lang="en-US" altLang="ja-JP" smtClean="0"/>
+              <a:rPr kumimoji="1" lang="en-US" altLang="ja-JP"/>
               <a:t>4 </a:t>
             </a:r>
             <a:r>
-              <a:rPr kumimoji="1" lang="ja-JP" altLang="en-US" smtClean="0"/>
+              <a:rPr kumimoji="1" lang="ja-JP" altLang="en-US"/>
               <a:t>レベル</a:t>
             </a:r>
           </a:p>
           <a:p>
             <a:pPr lvl="4"/>
             <a:r>
-              <a:rPr kumimoji="1" lang="ja-JP" altLang="en-US" smtClean="0"/>
+              <a:rPr kumimoji="1" lang="ja-JP" altLang="en-US"/>
               <a:t>第 </a:t>
             </a:r>
             <a:r>
-              <a:rPr kumimoji="1" lang="en-US" altLang="ja-JP" smtClean="0"/>
+              <a:rPr kumimoji="1" lang="en-US" altLang="ja-JP"/>
               <a:t>5 </a:t>
             </a:r>
             <a:r>
-              <a:rPr kumimoji="1" lang="ja-JP" altLang="en-US" smtClean="0"/>
+              <a:rPr kumimoji="1" lang="ja-JP" altLang="en-US"/>
               <a:t>レベル</a:t>
             </a:r>
-            <a:endParaRPr kumimoji="1" lang="ja-JP" altLang="en-US"/>
           </a:p>
         </p:txBody>
       </p:sp>
@@ -542,10 +541,9 @@
           </a:lstStyle>
           <a:p>
             <a:r>
-              <a:rPr kumimoji="1" lang="ja-JP" altLang="en-US" smtClean="0"/>
+              <a:rPr kumimoji="1" lang="ja-JP" altLang="en-US"/>
               <a:t>マスター タイトルの書式設定</a:t>
             </a:r>
-            <a:endParaRPr kumimoji="1" lang="ja-JP" altLang="en-US"/>
           </a:p>
         </p:txBody>
       </p:sp>
@@ -607,10 +605,9 @@
           </a:lstStyle>
           <a:p>
             <a:r>
-              <a:rPr kumimoji="1" lang="ja-JP" altLang="en-US" smtClean="0"/>
+              <a:rPr kumimoji="1" lang="ja-JP" altLang="en-US"/>
               <a:t>マスター サブタイトルの書式設定</a:t>
             </a:r>
-            <a:endParaRPr kumimoji="1" lang="ja-JP" altLang="en-US"/>
           </a:p>
         </p:txBody>
       </p:sp>
@@ -639,7 +636,7 @@
           <a:p>
             <a:fld id="{2B2B8E5B-BA50-464C-8D3B-041D669C55FB}" type="datetime1">
               <a:rPr kumimoji="1" lang="ja-JP" altLang="en-US" smtClean="0"/>
-              <a:t>2024/4/22</a:t>
+              <a:t>2024/8/5</a:t>
             </a:fld>
             <a:endParaRPr kumimoji="1" lang="ja-JP" altLang="en-US"/>
           </a:p>
@@ -807,10 +804,9 @@
           <a:lstStyle/>
           <a:p>
             <a:r>
-              <a:rPr kumimoji="1" lang="ja-JP" altLang="en-US" smtClean="0"/>
+              <a:rPr kumimoji="1" lang="ja-JP" altLang="en-US"/>
               <a:t>マスター タイトルの書式設定</a:t>
             </a:r>
-            <a:endParaRPr kumimoji="1" lang="ja-JP" altLang="en-US"/>
           </a:p>
         </p:txBody>
       </p:sp>
@@ -873,7 +869,7 @@
               <a:buNone/>
             </a:pPr>
             <a:r>
-              <a:rPr kumimoji="1" lang="ja-JP" altLang="en-US" smtClean="0"/>
+              <a:rPr kumimoji="1" lang="ja-JP" altLang="en-US"/>
               <a:t>マスター テキストの書式設定</a:t>
             </a:r>
           </a:p>
@@ -893,15 +889,15 @@
               </a:buClr>
             </a:pPr>
             <a:r>
-              <a:rPr kumimoji="1" lang="ja-JP" altLang="en-US" smtClean="0"/>
+              <a:rPr kumimoji="1" lang="ja-JP" altLang="en-US"/>
               <a:t>第 </a:t>
             </a:r>
             <a:r>
-              <a:rPr kumimoji="1" lang="en-US" altLang="ja-JP" smtClean="0"/>
+              <a:rPr kumimoji="1" lang="en-US" altLang="ja-JP"/>
               <a:t>2 </a:t>
             </a:r>
             <a:r>
-              <a:rPr kumimoji="1" lang="ja-JP" altLang="en-US" smtClean="0"/>
+              <a:rPr kumimoji="1" lang="ja-JP" altLang="en-US"/>
               <a:t>レベル</a:t>
             </a:r>
           </a:p>
@@ -919,15 +915,15 @@
               <a:buChar char="-"/>
             </a:pPr>
             <a:r>
-              <a:rPr kumimoji="1" lang="ja-JP" altLang="en-US" smtClean="0"/>
+              <a:rPr kumimoji="1" lang="ja-JP" altLang="en-US"/>
               <a:t>第 </a:t>
             </a:r>
             <a:r>
-              <a:rPr kumimoji="1" lang="en-US" altLang="ja-JP" smtClean="0"/>
+              <a:rPr kumimoji="1" lang="en-US" altLang="ja-JP"/>
               <a:t>3 </a:t>
             </a:r>
             <a:r>
-              <a:rPr kumimoji="1" lang="ja-JP" altLang="en-US" smtClean="0"/>
+              <a:rPr kumimoji="1" lang="ja-JP" altLang="en-US"/>
               <a:t>レベル</a:t>
             </a:r>
           </a:p>
@@ -946,15 +942,15 @@
               <a:buChar char="-"/>
             </a:pPr>
             <a:r>
-              <a:rPr kumimoji="1" lang="ja-JP" altLang="en-US" smtClean="0"/>
+              <a:rPr kumimoji="1" lang="ja-JP" altLang="en-US"/>
               <a:t>第 </a:t>
             </a:r>
             <a:r>
-              <a:rPr kumimoji="1" lang="en-US" altLang="ja-JP" smtClean="0"/>
+              <a:rPr kumimoji="1" lang="en-US" altLang="ja-JP"/>
               <a:t>4 </a:t>
             </a:r>
             <a:r>
-              <a:rPr kumimoji="1" lang="ja-JP" altLang="en-US" smtClean="0"/>
+              <a:rPr kumimoji="1" lang="ja-JP" altLang="en-US"/>
               <a:t>レベル</a:t>
             </a:r>
           </a:p>
@@ -974,18 +970,17 @@
               </a:buClr>
             </a:pPr>
             <a:r>
-              <a:rPr kumimoji="1" lang="ja-JP" altLang="en-US" smtClean="0"/>
+              <a:rPr kumimoji="1" lang="ja-JP" altLang="en-US"/>
               <a:t>第 </a:t>
             </a:r>
             <a:r>
-              <a:rPr kumimoji="1" lang="en-US" altLang="ja-JP" smtClean="0"/>
+              <a:rPr kumimoji="1" lang="en-US" altLang="ja-JP"/>
               <a:t>5 </a:t>
             </a:r>
             <a:r>
-              <a:rPr kumimoji="1" lang="ja-JP" altLang="en-US" smtClean="0"/>
+              <a:rPr kumimoji="1" lang="ja-JP" altLang="en-US"/>
               <a:t>レベル</a:t>
             </a:r>
-            <a:endParaRPr kumimoji="1" lang="ja-JP" altLang="en-US"/>
           </a:p>
         </p:txBody>
       </p:sp>
@@ -1014,7 +1009,7 @@
           <a:p>
             <a:fld id="{11061F0C-B02F-4B72-9330-B608A15BCE6C}" type="datetime1">
               <a:rPr kumimoji="1" lang="ja-JP" altLang="en-US" smtClean="0"/>
-              <a:t>2024/4/22</a:t>
+              <a:t>2024/8/5</a:t>
             </a:fld>
             <a:endParaRPr kumimoji="1" lang="ja-JP" altLang="en-US"/>
           </a:p>
@@ -1161,10 +1156,9 @@
           </a:lstStyle>
           <a:p>
             <a:r>
-              <a:rPr kumimoji="1" lang="ja-JP" altLang="en-US" smtClean="0"/>
+              <a:rPr kumimoji="1" lang="ja-JP" altLang="en-US"/>
               <a:t>マスター タイトルの書式設定</a:t>
             </a:r>
-            <a:endParaRPr kumimoji="1" lang="ja-JP" altLang="en-US"/>
           </a:p>
         </p:txBody>
       </p:sp>
@@ -1279,7 +1273,7 @@
           <a:p>
             <a:pPr lvl="0"/>
             <a:r>
-              <a:rPr kumimoji="1" lang="ja-JP" altLang="en-US" smtClean="0"/>
+              <a:rPr kumimoji="1" lang="ja-JP" altLang="en-US"/>
               <a:t>マスター テキストの書式設定</a:t>
             </a:r>
           </a:p>
@@ -1310,7 +1304,7 @@
           <a:p>
             <a:fld id="{A05C19A2-0374-4011-89C3-86AC619A716D}" type="datetime1">
               <a:rPr kumimoji="1" lang="ja-JP" altLang="en-US" smtClean="0"/>
-              <a:t>2024/4/22</a:t>
+              <a:t>2024/8/5</a:t>
             </a:fld>
             <a:endParaRPr kumimoji="1" lang="ja-JP" altLang="en-US"/>
           </a:p>
@@ -1449,10 +1443,9 @@
           <a:lstStyle/>
           <a:p>
             <a:r>
-              <a:rPr kumimoji="1" lang="ja-JP" altLang="en-US" smtClean="0"/>
+              <a:rPr kumimoji="1" lang="ja-JP" altLang="en-US" dirty="0"/>
               <a:t>マスター タイトルの書式設定</a:t>
             </a:r>
-            <a:endParaRPr kumimoji="1" lang="ja-JP" altLang="en-US"/>
           </a:p>
         </p:txBody>
       </p:sp>
@@ -1478,70 +1471,69 @@
           <a:p>
             <a:pPr lvl="0"/>
             <a:r>
-              <a:rPr kumimoji="1" lang="ja-JP" altLang="en-US" smtClean="0"/>
+              <a:rPr kumimoji="1" lang="ja-JP" altLang="en-US" dirty="0"/>
               <a:t>マスター テキストの書式設定</a:t>
             </a:r>
           </a:p>
           <a:p>
             <a:pPr lvl="1"/>
             <a:r>
-              <a:rPr kumimoji="1" lang="ja-JP" altLang="en-US" smtClean="0"/>
+              <a:rPr kumimoji="1" lang="ja-JP" altLang="en-US" dirty="0"/>
               <a:t>第 </a:t>
             </a:r>
             <a:r>
-              <a:rPr kumimoji="1" lang="en-US" altLang="ja-JP" smtClean="0"/>
+              <a:rPr kumimoji="1" lang="en-US" altLang="ja-JP" dirty="0"/>
               <a:t>2 </a:t>
             </a:r>
             <a:r>
-              <a:rPr kumimoji="1" lang="ja-JP" altLang="en-US" smtClean="0"/>
+              <a:rPr kumimoji="1" lang="ja-JP" altLang="en-US" dirty="0"/>
               <a:t>レベル</a:t>
             </a:r>
           </a:p>
           <a:p>
             <a:pPr lvl="2"/>
             <a:r>
-              <a:rPr kumimoji="1" lang="ja-JP" altLang="en-US" smtClean="0"/>
+              <a:rPr kumimoji="1" lang="ja-JP" altLang="en-US" dirty="0"/>
               <a:t>第 </a:t>
             </a:r>
             <a:r>
-              <a:rPr kumimoji="1" lang="en-US" altLang="ja-JP" smtClean="0"/>
+              <a:rPr kumimoji="1" lang="en-US" altLang="ja-JP" dirty="0"/>
               <a:t>3 </a:t>
             </a:r>
             <a:r>
-              <a:rPr kumimoji="1" lang="ja-JP" altLang="en-US" smtClean="0"/>
+              <a:rPr kumimoji="1" lang="ja-JP" altLang="en-US" dirty="0"/>
               <a:t>レベル</a:t>
             </a:r>
           </a:p>
           <a:p>
             <a:pPr lvl="3"/>
             <a:r>
-              <a:rPr kumimoji="1" lang="ja-JP" altLang="en-US" smtClean="0"/>
+              <a:rPr kumimoji="1" lang="ja-JP" altLang="en-US" dirty="0"/>
               <a:t>第 </a:t>
             </a:r>
             <a:r>
-              <a:rPr kumimoji="1" lang="en-US" altLang="ja-JP" smtClean="0"/>
+              <a:rPr kumimoji="1" lang="en-US" altLang="ja-JP" dirty="0"/>
               <a:t>4 </a:t>
             </a:r>
             <a:r>
-              <a:rPr kumimoji="1" lang="ja-JP" altLang="en-US" smtClean="0"/>
+              <a:rPr kumimoji="1" lang="ja-JP" altLang="en-US" dirty="0"/>
               <a:t>レベル</a:t>
             </a:r>
           </a:p>
           <a:p>
             <a:pPr lvl="4"/>
             <a:r>
-              <a:rPr kumimoji="1" lang="ja-JP" altLang="en-US" smtClean="0"/>
+              <a:rPr kumimoji="1" lang="ja-JP" altLang="en-US" dirty="0"/>
               <a:t>第 </a:t>
             </a:r>
             <a:r>
-              <a:rPr kumimoji="1" lang="en-US" altLang="ja-JP" smtClean="0"/>
+              <a:rPr kumimoji="1" lang="en-US" altLang="ja-JP" dirty="0"/>
               <a:t>5 </a:t>
             </a:r>
             <a:r>
-              <a:rPr kumimoji="1" lang="ja-JP" altLang="en-US" smtClean="0"/>
+              <a:rPr kumimoji="1" lang="ja-JP" altLang="en-US" dirty="0"/>
               <a:t>レベル</a:t>
             </a:r>
-            <a:endParaRPr kumimoji="1" lang="ja-JP" altLang="en-US"/>
           </a:p>
         </p:txBody>
       </p:sp>
@@ -1567,70 +1559,69 @@
           <a:p>
             <a:pPr lvl="0"/>
             <a:r>
-              <a:rPr kumimoji="1" lang="ja-JP" altLang="en-US" smtClean="0"/>
+              <a:rPr kumimoji="1" lang="ja-JP" altLang="en-US"/>
               <a:t>マスター テキストの書式設定</a:t>
             </a:r>
           </a:p>
           <a:p>
             <a:pPr lvl="1"/>
             <a:r>
-              <a:rPr kumimoji="1" lang="ja-JP" altLang="en-US" smtClean="0"/>
+              <a:rPr kumimoji="1" lang="ja-JP" altLang="en-US"/>
               <a:t>第 </a:t>
             </a:r>
             <a:r>
-              <a:rPr kumimoji="1" lang="en-US" altLang="ja-JP" smtClean="0"/>
+              <a:rPr kumimoji="1" lang="en-US" altLang="ja-JP"/>
               <a:t>2 </a:t>
             </a:r>
             <a:r>
-              <a:rPr kumimoji="1" lang="ja-JP" altLang="en-US" smtClean="0"/>
+              <a:rPr kumimoji="1" lang="ja-JP" altLang="en-US"/>
               <a:t>レベル</a:t>
             </a:r>
           </a:p>
           <a:p>
             <a:pPr lvl="2"/>
             <a:r>
-              <a:rPr kumimoji="1" lang="ja-JP" altLang="en-US" smtClean="0"/>
+              <a:rPr kumimoji="1" lang="ja-JP" altLang="en-US"/>
               <a:t>第 </a:t>
             </a:r>
             <a:r>
-              <a:rPr kumimoji="1" lang="en-US" altLang="ja-JP" smtClean="0"/>
+              <a:rPr kumimoji="1" lang="en-US" altLang="ja-JP"/>
               <a:t>3 </a:t>
             </a:r>
             <a:r>
-              <a:rPr kumimoji="1" lang="ja-JP" altLang="en-US" smtClean="0"/>
+              <a:rPr kumimoji="1" lang="ja-JP" altLang="en-US"/>
               <a:t>レベル</a:t>
             </a:r>
           </a:p>
           <a:p>
             <a:pPr lvl="3"/>
             <a:r>
-              <a:rPr kumimoji="1" lang="ja-JP" altLang="en-US" smtClean="0"/>
+              <a:rPr kumimoji="1" lang="ja-JP" altLang="en-US"/>
               <a:t>第 </a:t>
             </a:r>
             <a:r>
-              <a:rPr kumimoji="1" lang="en-US" altLang="ja-JP" smtClean="0"/>
+              <a:rPr kumimoji="1" lang="en-US" altLang="ja-JP"/>
               <a:t>4 </a:t>
             </a:r>
             <a:r>
-              <a:rPr kumimoji="1" lang="ja-JP" altLang="en-US" smtClean="0"/>
+              <a:rPr kumimoji="1" lang="ja-JP" altLang="en-US"/>
               <a:t>レベル</a:t>
             </a:r>
           </a:p>
           <a:p>
             <a:pPr lvl="4"/>
             <a:r>
-              <a:rPr kumimoji="1" lang="ja-JP" altLang="en-US" smtClean="0"/>
+              <a:rPr kumimoji="1" lang="ja-JP" altLang="en-US"/>
               <a:t>第 </a:t>
             </a:r>
             <a:r>
-              <a:rPr kumimoji="1" lang="en-US" altLang="ja-JP" smtClean="0"/>
+              <a:rPr kumimoji="1" lang="en-US" altLang="ja-JP"/>
               <a:t>5 </a:t>
             </a:r>
             <a:r>
-              <a:rPr kumimoji="1" lang="ja-JP" altLang="en-US" smtClean="0"/>
+              <a:rPr kumimoji="1" lang="ja-JP" altLang="en-US"/>
               <a:t>レベル</a:t>
             </a:r>
-            <a:endParaRPr kumimoji="1" lang="ja-JP" altLang="en-US"/>
           </a:p>
         </p:txBody>
       </p:sp>
@@ -1659,7 +1650,7 @@
           <a:p>
             <a:fld id="{1DDF3888-BB9C-4A4D-8342-CBB04A01C890}" type="datetime1">
               <a:rPr kumimoji="1" lang="ja-JP" altLang="en-US" smtClean="0"/>
-              <a:t>2024/4/22</a:t>
+              <a:t>2024/8/5</a:t>
             </a:fld>
             <a:endParaRPr kumimoji="1" lang="ja-JP" altLang="en-US"/>
           </a:p>
@@ -1729,7 +1720,7 @@
 </file>
 
 <file path=ppt/slideLayouts/slideLayout5.xml><?xml version="1.0" encoding="utf-8"?>
-<p:sldLayout xmlns:a="http://schemas.openxmlformats.org/drawingml/2006/main" xmlns:r="http://schemas.openxmlformats.org/officeDocument/2006/relationships" xmlns:p="http://schemas.openxmlformats.org/presentationml/2006/main" type="twoTxTwoObj" preserve="1">
+<p:sldLayout xmlns:a="http://schemas.openxmlformats.org/drawingml/2006/main" xmlns:r="http://schemas.openxmlformats.org/officeDocument/2006/relationships" xmlns:p="http://schemas.openxmlformats.org/presentationml/2006/main" preserve="1" userDrawn="1">
   <p:cSld name="Comparison">
     <p:spTree>
       <p:nvGrpSpPr>
@@ -1747,111 +1738,146 @@
       </p:grpSpPr>
       <p:sp>
         <p:nvSpPr>
-          <p:cNvPr id="2" name="タイトル 1"/>
-          <p:cNvSpPr>
-            <a:spLocks noGrp="1"/>
-          </p:cNvSpPr>
-          <p:nvPr>
-            <p:ph type="title"/>
-          </p:nvPr>
-        </p:nvSpPr>
-        <p:spPr>
-          <a:xfrm>
-            <a:off x="629841" y="273844"/>
-            <a:ext cx="7886700" cy="994172"/>
+          <p:cNvPr id="11" name="コンテンツ プレースホルダー 2">
+            <a:extLst>
+              <a:ext uri="{FF2B5EF4-FFF2-40B4-BE49-F238E27FC236}">
+                <a16:creationId xmlns:a16="http://schemas.microsoft.com/office/drawing/2014/main" id="{FE843983-E72E-F956-F2D6-3936527555DC}"/>
+              </a:ext>
+            </a:extLst>
+          </p:cNvPr>
+          <p:cNvSpPr>
+            <a:spLocks noGrp="1"/>
+          </p:cNvSpPr>
+          <p:nvPr>
+            <p:ph sz="half" idx="13"/>
+          </p:nvPr>
+        </p:nvSpPr>
+        <p:spPr>
+          <a:xfrm>
+            <a:off x="277198" y="914400"/>
+            <a:ext cx="4320000" cy="3862800"/>
           </a:xfrm>
         </p:spPr>
         <p:txBody>
           <a:bodyPr/>
           <a:lstStyle/>
           <a:p>
-            <a:r>
-              <a:rPr kumimoji="1" lang="ja-JP" altLang="en-US" smtClean="0"/>
+            <a:pPr lvl="0"/>
+            <a:r>
+              <a:rPr kumimoji="1" lang="ja-JP" altLang="en-US" dirty="0"/>
+              <a:t>マスター テキストの書式設定</a:t>
+            </a:r>
+          </a:p>
+          <a:p>
+            <a:pPr lvl="1"/>
+            <a:r>
+              <a:rPr kumimoji="1" lang="ja-JP" altLang="en-US" dirty="0"/>
+              <a:t>第 </a:t>
+            </a:r>
+            <a:r>
+              <a:rPr kumimoji="1" lang="en-US" altLang="ja-JP" dirty="0"/>
+              <a:t>2 </a:t>
+            </a:r>
+            <a:r>
+              <a:rPr kumimoji="1" lang="ja-JP" altLang="en-US" dirty="0"/>
+              <a:t>レベル</a:t>
+            </a:r>
+          </a:p>
+          <a:p>
+            <a:pPr lvl="2"/>
+            <a:r>
+              <a:rPr kumimoji="1" lang="ja-JP" altLang="en-US" dirty="0"/>
+              <a:t>第 </a:t>
+            </a:r>
+            <a:r>
+              <a:rPr kumimoji="1" lang="en-US" altLang="ja-JP" dirty="0"/>
+              <a:t>3 </a:t>
+            </a:r>
+            <a:r>
+              <a:rPr kumimoji="1" lang="ja-JP" altLang="en-US" dirty="0"/>
+              <a:t>レベル</a:t>
+            </a:r>
+          </a:p>
+          <a:p>
+            <a:pPr lvl="3"/>
+            <a:r>
+              <a:rPr kumimoji="1" lang="ja-JP" altLang="en-US" dirty="0"/>
+              <a:t>第 </a:t>
+            </a:r>
+            <a:r>
+              <a:rPr kumimoji="1" lang="en-US" altLang="ja-JP" dirty="0"/>
+              <a:t>4 </a:t>
+            </a:r>
+            <a:r>
+              <a:rPr kumimoji="1" lang="ja-JP" altLang="en-US" dirty="0"/>
+              <a:t>レベル</a:t>
+            </a:r>
+          </a:p>
+          <a:p>
+            <a:pPr lvl="4"/>
+            <a:r>
+              <a:rPr kumimoji="1" lang="ja-JP" altLang="en-US" dirty="0"/>
+              <a:t>第 </a:t>
+            </a:r>
+            <a:r>
+              <a:rPr kumimoji="1" lang="en-US" altLang="ja-JP" dirty="0"/>
+              <a:t>5 </a:t>
+            </a:r>
+            <a:r>
+              <a:rPr kumimoji="1" lang="ja-JP" altLang="en-US" dirty="0"/>
+              <a:t>レベル</a:t>
+            </a:r>
+          </a:p>
+        </p:txBody>
+      </p:sp>
+      <p:sp>
+        <p:nvSpPr>
+          <p:cNvPr id="2" name="タイトル 1"/>
+          <p:cNvSpPr>
+            <a:spLocks noGrp="1"/>
+          </p:cNvSpPr>
+          <p:nvPr>
+            <p:ph type="title"/>
+          </p:nvPr>
+        </p:nvSpPr>
+        <p:spPr>
+          <a:xfrm>
+            <a:off x="270001" y="219600"/>
+            <a:ext cx="8245350" cy="389010"/>
+          </a:xfrm>
+        </p:spPr>
+        <p:txBody>
+          <a:bodyPr vert="horz" lIns="0" tIns="0" rIns="0" bIns="0" rtlCol="0" anchor="b" anchorCtr="0">
+            <a:normAutofit/>
+          </a:bodyPr>
+          <a:lstStyle>
+            <a:lvl1pPr>
+              <a:defRPr lang="ja-JP" altLang="en-US"/>
+            </a:lvl1pPr>
+          </a:lstStyle>
+          <a:p>
+            <a:pPr lvl="0"/>
+            <a:r>
+              <a:rPr kumimoji="1" lang="ja-JP" altLang="en-US" dirty="0"/>
               <a:t>マスター タイトルの書式設定</a:t>
             </a:r>
-            <a:endParaRPr kumimoji="1" lang="ja-JP" altLang="en-US"/>
-          </a:p>
-        </p:txBody>
-      </p:sp>
-      <p:sp>
-        <p:nvSpPr>
-          <p:cNvPr id="3" name="テキスト プレースホルダー 2"/>
-          <p:cNvSpPr>
-            <a:spLocks noGrp="1"/>
-          </p:cNvSpPr>
-          <p:nvPr>
-            <p:ph type="body" idx="1"/>
-          </p:nvPr>
-        </p:nvSpPr>
-        <p:spPr>
-          <a:xfrm>
-            <a:off x="629842" y="1260872"/>
-            <a:ext cx="3868340" cy="617934"/>
-          </a:xfrm>
-        </p:spPr>
-        <p:txBody>
-          <a:bodyPr anchor="b"/>
-          <a:lstStyle>
-            <a:lvl1pPr marL="0" indent="0">
-              <a:buNone/>
-              <a:defRPr sz="1800" b="1"/>
-            </a:lvl1pPr>
-            <a:lvl2pPr marL="342900" indent="0">
-              <a:buNone/>
-              <a:defRPr sz="1500" b="1"/>
-            </a:lvl2pPr>
-            <a:lvl3pPr marL="685800" indent="0">
-              <a:buNone/>
-              <a:defRPr sz="1350" b="1"/>
-            </a:lvl3pPr>
-            <a:lvl4pPr marL="1028700" indent="0">
-              <a:buNone/>
-              <a:defRPr sz="1200" b="1"/>
-            </a:lvl4pPr>
-            <a:lvl5pPr marL="1371600" indent="0">
-              <a:buNone/>
-              <a:defRPr sz="1200" b="1"/>
-            </a:lvl5pPr>
-            <a:lvl6pPr marL="1714500" indent="0">
-              <a:buNone/>
-              <a:defRPr sz="1200" b="1"/>
-            </a:lvl6pPr>
-            <a:lvl7pPr marL="2057400" indent="0">
-              <a:buNone/>
-              <a:defRPr sz="1200" b="1"/>
-            </a:lvl7pPr>
-            <a:lvl8pPr marL="2400300" indent="0">
-              <a:buNone/>
-              <a:defRPr sz="1200" b="1"/>
-            </a:lvl8pPr>
-            <a:lvl9pPr marL="2743200" indent="0">
-              <a:buNone/>
-              <a:defRPr sz="1200" b="1"/>
-            </a:lvl9pPr>
-          </a:lstStyle>
-          <a:p>
-            <a:pPr lvl="0"/>
-            <a:r>
-              <a:rPr kumimoji="1" lang="ja-JP" altLang="en-US" smtClean="0"/>
-              <a:t>マスター テキストの書式設定</a:t>
-            </a:r>
-          </a:p>
-        </p:txBody>
-      </p:sp>
-      <p:sp>
-        <p:nvSpPr>
-          <p:cNvPr id="4" name="コンテンツ プレースホルダー 3"/>
-          <p:cNvSpPr>
-            <a:spLocks noGrp="1"/>
-          </p:cNvSpPr>
-          <p:nvPr>
-            <p:ph sz="half" idx="2"/>
-          </p:nvPr>
-        </p:nvSpPr>
-        <p:spPr>
-          <a:xfrm>
-            <a:off x="629842" y="1878806"/>
-            <a:ext cx="3868340" cy="2763441"/>
+          </a:p>
+        </p:txBody>
+      </p:sp>
+      <p:sp>
+        <p:nvSpPr>
+          <p:cNvPr id="6" name="コンテンツ プレースホルダー 5"/>
+          <p:cNvSpPr>
+            <a:spLocks noGrp="1"/>
+          </p:cNvSpPr>
+          <p:nvPr>
+            <p:ph sz="quarter" idx="4"/>
+          </p:nvPr>
+        </p:nvSpPr>
+        <p:spPr>
+          <a:xfrm>
+            <a:off x="4629150" y="914400"/>
+            <a:ext cx="3887391" cy="3727847"/>
           </a:xfrm>
         </p:spPr>
         <p:txBody>
@@ -1860,224 +1886,69 @@
           <a:p>
             <a:pPr lvl="0"/>
             <a:r>
-              <a:rPr kumimoji="1" lang="ja-JP" altLang="en-US" smtClean="0"/>
+              <a:rPr kumimoji="1" lang="ja-JP" altLang="en-US" dirty="0"/>
               <a:t>マスター テキストの書式設定</a:t>
             </a:r>
           </a:p>
           <a:p>
             <a:pPr lvl="1"/>
             <a:r>
-              <a:rPr kumimoji="1" lang="ja-JP" altLang="en-US" smtClean="0"/>
+              <a:rPr kumimoji="1" lang="ja-JP" altLang="en-US" dirty="0"/>
               <a:t>第 </a:t>
             </a:r>
             <a:r>
-              <a:rPr kumimoji="1" lang="en-US" altLang="ja-JP" smtClean="0"/>
+              <a:rPr kumimoji="1" lang="en-US" altLang="ja-JP" dirty="0"/>
               <a:t>2 </a:t>
             </a:r>
             <a:r>
-              <a:rPr kumimoji="1" lang="ja-JP" altLang="en-US" smtClean="0"/>
+              <a:rPr kumimoji="1" lang="ja-JP" altLang="en-US" dirty="0"/>
               <a:t>レベル</a:t>
             </a:r>
           </a:p>
           <a:p>
             <a:pPr lvl="2"/>
             <a:r>
-              <a:rPr kumimoji="1" lang="ja-JP" altLang="en-US" smtClean="0"/>
+              <a:rPr kumimoji="1" lang="ja-JP" altLang="en-US" dirty="0"/>
               <a:t>第 </a:t>
             </a:r>
             <a:r>
-              <a:rPr kumimoji="1" lang="en-US" altLang="ja-JP" smtClean="0"/>
+              <a:rPr kumimoji="1" lang="en-US" altLang="ja-JP" dirty="0"/>
               <a:t>3 </a:t>
             </a:r>
             <a:r>
-              <a:rPr kumimoji="1" lang="ja-JP" altLang="en-US" smtClean="0"/>
+              <a:rPr kumimoji="1" lang="ja-JP" altLang="en-US" dirty="0"/>
               <a:t>レベル</a:t>
             </a:r>
           </a:p>
           <a:p>
             <a:pPr lvl="3"/>
             <a:r>
-              <a:rPr kumimoji="1" lang="ja-JP" altLang="en-US" smtClean="0"/>
+              <a:rPr kumimoji="1" lang="ja-JP" altLang="en-US" dirty="0"/>
               <a:t>第 </a:t>
             </a:r>
             <a:r>
-              <a:rPr kumimoji="1" lang="en-US" altLang="ja-JP" smtClean="0"/>
+              <a:rPr kumimoji="1" lang="en-US" altLang="ja-JP" dirty="0"/>
               <a:t>4 </a:t>
             </a:r>
             <a:r>
-              <a:rPr kumimoji="1" lang="ja-JP" altLang="en-US" smtClean="0"/>
+              <a:rPr kumimoji="1" lang="ja-JP" altLang="en-US" dirty="0"/>
               <a:t>レベル</a:t>
             </a:r>
           </a:p>
           <a:p>
             <a:pPr lvl="4"/>
             <a:r>
-              <a:rPr kumimoji="1" lang="ja-JP" altLang="en-US" smtClean="0"/>
+              <a:rPr kumimoji="1" lang="ja-JP" altLang="en-US" dirty="0"/>
               <a:t>第 </a:t>
             </a:r>
             <a:r>
-              <a:rPr kumimoji="1" lang="en-US" altLang="ja-JP" smtClean="0"/>
+              <a:rPr kumimoji="1" lang="en-US" altLang="ja-JP" dirty="0"/>
               <a:t>5 </a:t>
             </a:r>
             <a:r>
-              <a:rPr kumimoji="1" lang="ja-JP" altLang="en-US" smtClean="0"/>
+              <a:rPr kumimoji="1" lang="ja-JP" altLang="en-US" dirty="0"/>
               <a:t>レベル</a:t>
             </a:r>
-            <a:endParaRPr kumimoji="1" lang="ja-JP" altLang="en-US"/>
-          </a:p>
-        </p:txBody>
-      </p:sp>
-      <p:sp>
-        <p:nvSpPr>
-          <p:cNvPr id="5" name="テキスト プレースホルダー 4"/>
-          <p:cNvSpPr>
-            <a:spLocks noGrp="1"/>
-          </p:cNvSpPr>
-          <p:nvPr>
-            <p:ph type="body" sz="quarter" idx="3"/>
-          </p:nvPr>
-        </p:nvSpPr>
-        <p:spPr>
-          <a:xfrm>
-            <a:off x="4629150" y="1260872"/>
-            <a:ext cx="3887391" cy="617934"/>
-          </a:xfrm>
-        </p:spPr>
-        <p:txBody>
-          <a:bodyPr anchor="b"/>
-          <a:lstStyle>
-            <a:lvl1pPr marL="0" indent="0">
-              <a:buNone/>
-              <a:defRPr sz="1800" b="1"/>
-            </a:lvl1pPr>
-            <a:lvl2pPr marL="342900" indent="0">
-              <a:buNone/>
-              <a:defRPr sz="1500" b="1"/>
-            </a:lvl2pPr>
-            <a:lvl3pPr marL="685800" indent="0">
-              <a:buNone/>
-              <a:defRPr sz="1350" b="1"/>
-            </a:lvl3pPr>
-            <a:lvl4pPr marL="1028700" indent="0">
-              <a:buNone/>
-              <a:defRPr sz="1200" b="1"/>
-            </a:lvl4pPr>
-            <a:lvl5pPr marL="1371600" indent="0">
-              <a:buNone/>
-              <a:defRPr sz="1200" b="1"/>
-            </a:lvl5pPr>
-            <a:lvl6pPr marL="1714500" indent="0">
-              <a:buNone/>
-              <a:defRPr sz="1200" b="1"/>
-            </a:lvl6pPr>
-            <a:lvl7pPr marL="2057400" indent="0">
-              <a:buNone/>
-              <a:defRPr sz="1200" b="1"/>
-            </a:lvl7pPr>
-            <a:lvl8pPr marL="2400300" indent="0">
-              <a:buNone/>
-              <a:defRPr sz="1200" b="1"/>
-            </a:lvl8pPr>
-            <a:lvl9pPr marL="2743200" indent="0">
-              <a:buNone/>
-              <a:defRPr sz="1200" b="1"/>
-            </a:lvl9pPr>
-          </a:lstStyle>
-          <a:p>
-            <a:pPr lvl="0"/>
-            <a:r>
-              <a:rPr kumimoji="1" lang="ja-JP" altLang="en-US" smtClean="0"/>
-              <a:t>マスター テキストの書式設定</a:t>
-            </a:r>
-          </a:p>
-        </p:txBody>
-      </p:sp>
-      <p:sp>
-        <p:nvSpPr>
-          <p:cNvPr id="6" name="コンテンツ プレースホルダー 5"/>
-          <p:cNvSpPr>
-            <a:spLocks noGrp="1"/>
-          </p:cNvSpPr>
-          <p:nvPr>
-            <p:ph sz="quarter" idx="4"/>
-          </p:nvPr>
-        </p:nvSpPr>
-        <p:spPr>
-          <a:xfrm>
-            <a:off x="4629150" y="1878806"/>
-            <a:ext cx="3887391" cy="2763441"/>
-          </a:xfrm>
-        </p:spPr>
-        <p:txBody>
-          <a:bodyPr/>
-          <a:lstStyle/>
-          <a:p>
-            <a:pPr lvl="0"/>
-            <a:r>
-              <a:rPr kumimoji="1" lang="ja-JP" altLang="en-US" smtClean="0"/>
-              <a:t>マスター テキストの書式設定</a:t>
-            </a:r>
-          </a:p>
-          <a:p>
-            <a:pPr lvl="1"/>
-            <a:r>
-              <a:rPr kumimoji="1" lang="ja-JP" altLang="en-US" smtClean="0"/>
-              <a:t>第 </a:t>
-            </a:r>
-            <a:r>
-              <a:rPr kumimoji="1" lang="en-US" altLang="ja-JP" smtClean="0"/>
-              <a:t>2 </a:t>
-            </a:r>
-            <a:r>
-              <a:rPr kumimoji="1" lang="ja-JP" altLang="en-US" smtClean="0"/>
-              <a:t>レベル</a:t>
-            </a:r>
-          </a:p>
-          <a:p>
-            <a:pPr lvl="2"/>
-            <a:r>
-              <a:rPr kumimoji="1" lang="ja-JP" altLang="en-US" smtClean="0"/>
-              <a:t>第 </a:t>
-            </a:r>
-            <a:r>
-              <a:rPr kumimoji="1" lang="en-US" altLang="ja-JP" smtClean="0"/>
-              <a:t>3 </a:t>
-            </a:r>
-            <a:r>
-              <a:rPr kumimoji="1" lang="ja-JP" altLang="en-US" smtClean="0"/>
-              <a:t>レベル</a:t>
-            </a:r>
-          </a:p>
-          <a:p>
-            <a:pPr lvl="3"/>
-            <a:r>
-              <a:rPr kumimoji="1" lang="ja-JP" altLang="en-US" smtClean="0"/>
-              <a:t>第 </a:t>
-            </a:r>
-            <a:r>
-              <a:rPr kumimoji="1" lang="en-US" altLang="ja-JP" smtClean="0"/>
-              <a:t>4 </a:t>
-            </a:r>
-            <a:r>
-              <a:rPr kumimoji="1" lang="ja-JP" altLang="en-US" smtClean="0"/>
-              <a:t>レベル</a:t>
-            </a:r>
-          </a:p>
-          <a:p>
-            <a:pPr lvl="4"/>
-            <a:r>
-              <a:rPr kumimoji="1" lang="ja-JP" altLang="en-US" smtClean="0"/>
-              <a:t>第 </a:t>
-            </a:r>
-            <a:r>
-              <a:rPr kumimoji="1" lang="en-US" altLang="ja-JP" smtClean="0"/>
-              <a:t>5 </a:t>
-            </a:r>
-            <a:r>
-              <a:rPr kumimoji="1" lang="ja-JP" altLang="en-US" smtClean="0"/>
-              <a:t>レベル</a:t>
-            </a:r>
-            <a:endParaRPr kumimoji="1" lang="ja-JP" altLang="en-US"/>
           </a:p>
         </p:txBody>
       </p:sp>
@@ -2106,7 +1977,7 @@
           <a:p>
             <a:fld id="{BCF2E21D-B218-4D40-9138-FF292A323C33}" type="datetime1">
               <a:rPr kumimoji="1" lang="ja-JP" altLang="en-US" smtClean="0"/>
-              <a:t>2024/4/22</a:t>
+              <a:t>2024/8/5</a:t>
             </a:fld>
             <a:endParaRPr kumimoji="1" lang="ja-JP" altLang="en-US"/>
           </a:p>
@@ -2217,7 +2088,7 @@
           <a:p>
             <a:fld id="{D1D4E725-94A0-4555-8568-7C0B7ABB1E6B}" type="datetime1">
               <a:rPr kumimoji="1" lang="ja-JP" altLang="en-US" smtClean="0"/>
-              <a:t>2024/4/22</a:t>
+              <a:t>2024/8/5</a:t>
             </a:fld>
             <a:endParaRPr kumimoji="1" lang="ja-JP" altLang="en-US"/>
           </a:p>
@@ -2328,10 +2199,9 @@
           </a:lstStyle>
           <a:p>
             <a:r>
-              <a:rPr kumimoji="1" lang="ja-JP" altLang="en-US" smtClean="0"/>
+              <a:rPr kumimoji="1" lang="ja-JP" altLang="en-US"/>
               <a:t>マスター タイトルの書式設定</a:t>
             </a:r>
-            <a:endParaRPr kumimoji="1" lang="ja-JP" altLang="en-US"/>
           </a:p>
         </p:txBody>
       </p:sp>
@@ -2455,7 +2325,7 @@
           <a:p>
             <a:pPr lvl="0"/>
             <a:r>
-              <a:rPr kumimoji="1" lang="ja-JP" altLang="en-US" smtClean="0"/>
+              <a:rPr kumimoji="1" lang="ja-JP" altLang="en-US"/>
               <a:t>マスター テキストの書式設定</a:t>
             </a:r>
           </a:p>
@@ -2486,7 +2356,7 @@
           <a:p>
             <a:fld id="{DC3D817D-5DEA-4CFB-8783-ED554CB28A22}" type="datetime1">
               <a:rPr kumimoji="1" lang="ja-JP" altLang="en-US" smtClean="0"/>
-              <a:t>2024/4/22</a:t>
+              <a:t>2024/8/5</a:t>
             </a:fld>
             <a:endParaRPr kumimoji="1" lang="ja-JP" altLang="en-US"/>
           </a:p>
@@ -2603,11 +2473,11 @@
           <a:lstStyle/>
           <a:p>
             <a:r>
-              <a:rPr kumimoji="1" lang="ja-JP" altLang="en-US" smtClean="0"/>
+              <a:rPr kumimoji="1" lang="ja-JP" altLang="en-US"/>
               <a:t>マスター タイトルの書式設定 </a:t>
             </a:r>
             <a:r>
-              <a:rPr kumimoji="1" lang="en-US" altLang="ja-JP" smtClean="0"/>
+              <a:rPr kumimoji="1" lang="en-US" altLang="ja-JP"/>
               <a:t>abc</a:t>
             </a:r>
             <a:endParaRPr kumimoji="1" lang="ja-JP" altLang="en-US"/>
@@ -2661,14 +2531,14 @@
               <a:buNone/>
             </a:pPr>
             <a:r>
-              <a:rPr kumimoji="1" lang="ja-JP" altLang="en-US" smtClean="0"/>
+              <a:rPr kumimoji="1" lang="ja-JP" altLang="en-US"/>
               <a:t>マスター テキストの書式設定 </a:t>
             </a:r>
             <a:r>
-              <a:rPr kumimoji="1" lang="en-US" altLang="ja-JP" smtClean="0"/>
+              <a:rPr kumimoji="1" lang="en-US" altLang="ja-JP"/>
               <a:t>abc</a:t>
             </a:r>
-            <a:endParaRPr kumimoji="1" lang="ja-JP" altLang="en-US" smtClean="0"/>
+            <a:endParaRPr kumimoji="1" lang="ja-JP" altLang="en-US"/>
           </a:p>
           <a:p>
             <a:pPr marL="133347" lvl="1" indent="-132157" eaLnBrk="0" fontAlgn="base" hangingPunct="0">
@@ -2686,15 +2556,15 @@
               </a:buClr>
             </a:pPr>
             <a:r>
-              <a:rPr kumimoji="1" lang="ja-JP" altLang="en-US" smtClean="0"/>
+              <a:rPr kumimoji="1" lang="ja-JP" altLang="en-US"/>
               <a:t>第 </a:t>
             </a:r>
             <a:r>
-              <a:rPr kumimoji="1" lang="en-US" altLang="ja-JP" smtClean="0"/>
+              <a:rPr kumimoji="1" lang="en-US" altLang="ja-JP"/>
               <a:t>2 </a:t>
             </a:r>
             <a:r>
-              <a:rPr kumimoji="1" lang="ja-JP" altLang="en-US" smtClean="0"/>
+              <a:rPr kumimoji="1" lang="ja-JP" altLang="en-US"/>
               <a:t>レベル</a:t>
             </a:r>
           </a:p>
@@ -2712,15 +2582,15 @@
               <a:buChar char="-"/>
             </a:pPr>
             <a:r>
-              <a:rPr kumimoji="1" lang="ja-JP" altLang="en-US" smtClean="0"/>
+              <a:rPr kumimoji="1" lang="ja-JP" altLang="en-US"/>
               <a:t>第 </a:t>
             </a:r>
             <a:r>
-              <a:rPr kumimoji="1" lang="en-US" altLang="ja-JP" smtClean="0"/>
+              <a:rPr kumimoji="1" lang="en-US" altLang="ja-JP"/>
               <a:t>3 </a:t>
             </a:r>
             <a:r>
-              <a:rPr kumimoji="1" lang="ja-JP" altLang="en-US" smtClean="0"/>
+              <a:rPr kumimoji="1" lang="ja-JP" altLang="en-US"/>
               <a:t>レベル</a:t>
             </a:r>
           </a:p>
@@ -2739,15 +2609,15 @@
               <a:buChar char="-"/>
             </a:pPr>
             <a:r>
-              <a:rPr kumimoji="1" lang="ja-JP" altLang="en-US" smtClean="0"/>
+              <a:rPr kumimoji="1" lang="ja-JP" altLang="en-US"/>
               <a:t>第 </a:t>
             </a:r>
             <a:r>
-              <a:rPr kumimoji="1" lang="en-US" altLang="ja-JP" smtClean="0"/>
+              <a:rPr kumimoji="1" lang="en-US" altLang="ja-JP"/>
               <a:t>4 </a:t>
             </a:r>
             <a:r>
-              <a:rPr kumimoji="1" lang="ja-JP" altLang="en-US" smtClean="0"/>
+              <a:rPr kumimoji="1" lang="ja-JP" altLang="en-US"/>
               <a:t>レベル</a:t>
             </a:r>
           </a:p>
@@ -2767,18 +2637,17 @@
               </a:buClr>
             </a:pPr>
             <a:r>
-              <a:rPr kumimoji="1" lang="ja-JP" altLang="en-US" smtClean="0"/>
+              <a:rPr kumimoji="1" lang="ja-JP" altLang="en-US"/>
               <a:t>第 </a:t>
             </a:r>
             <a:r>
-              <a:rPr kumimoji="1" lang="en-US" altLang="ja-JP" smtClean="0"/>
+              <a:rPr kumimoji="1" lang="en-US" altLang="ja-JP"/>
               <a:t>5 </a:t>
             </a:r>
             <a:r>
-              <a:rPr kumimoji="1" lang="ja-JP" altLang="en-US" smtClean="0"/>
+              <a:rPr kumimoji="1" lang="ja-JP" altLang="en-US"/>
               <a:t>レベル</a:t>
             </a:r>
-            <a:endParaRPr kumimoji="1" lang="ja-JP" altLang="en-US"/>
           </a:p>
         </p:txBody>
       </p:sp>
@@ -3248,13 +3117,6 @@
   <p:clrMapOvr>
     <a:masterClrMapping/>
   </p:clrMapOvr>
-  <p:timing>
-    <p:tnLst>
-      <p:par>
-        <p:cTn id="1" dur="indefinite" restart="never" nodeType="tmRoot"/>
-      </p:par>
-    </p:tnLst>
-  </p:timing>
 </p:sld>
 </file>
 

--- a/reference.pptx
+++ b/reference.pptx
@@ -1462,12 +1462,17 @@
         <p:spPr>
           <a:xfrm>
             <a:off x="277198" y="914400"/>
-            <a:ext cx="4320000" cy="3862800"/>
+            <a:ext cx="5452646" cy="3862800"/>
           </a:xfrm>
         </p:spPr>
         <p:txBody>
           <a:bodyPr/>
-          <a:lstStyle/>
+          <a:lstStyle>
+            <a:lvl1pPr marL="0" indent="0">
+              <a:buNone/>
+              <a:defRPr/>
+            </a:lvl1pPr>
+          </a:lstStyle>
           <a:p>
             <a:pPr lvl="0"/>
             <a:r>
@@ -1549,77 +1554,82 @@
         </p:nvSpPr>
         <p:spPr>
           <a:xfrm>
-            <a:off x="4680000" y="914400"/>
-            <a:ext cx="4320000" cy="3862800"/>
+            <a:off x="5729844" y="914400"/>
+            <a:ext cx="3270156" cy="3862800"/>
           </a:xfrm>
         </p:spPr>
         <p:txBody>
           <a:bodyPr/>
-          <a:lstStyle/>
+          <a:lstStyle>
+            <a:lvl1pPr marL="0" indent="0">
+              <a:buNone/>
+              <a:defRPr/>
+            </a:lvl1pPr>
+          </a:lstStyle>
           <a:p>
             <a:pPr lvl="0"/>
             <a:r>
-              <a:rPr kumimoji="1" lang="ja-JP" altLang="en-US"/>
+              <a:rPr kumimoji="1" lang="ja-JP" altLang="en-US" dirty="0"/>
               <a:t>マスター テキストの書式設定</a:t>
             </a:r>
           </a:p>
           <a:p>
             <a:pPr lvl="1"/>
             <a:r>
-              <a:rPr kumimoji="1" lang="ja-JP" altLang="en-US"/>
+              <a:rPr kumimoji="1" lang="ja-JP" altLang="en-US" dirty="0"/>
               <a:t>第 </a:t>
             </a:r>
             <a:r>
-              <a:rPr kumimoji="1" lang="en-US" altLang="ja-JP"/>
+              <a:rPr kumimoji="1" lang="en-US" altLang="ja-JP" dirty="0"/>
               <a:t>2 </a:t>
             </a:r>
             <a:r>
-              <a:rPr kumimoji="1" lang="ja-JP" altLang="en-US"/>
+              <a:rPr kumimoji="1" lang="ja-JP" altLang="en-US" dirty="0"/>
               <a:t>レベル</a:t>
             </a:r>
           </a:p>
           <a:p>
             <a:pPr lvl="2"/>
             <a:r>
-              <a:rPr kumimoji="1" lang="ja-JP" altLang="en-US"/>
+              <a:rPr kumimoji="1" lang="ja-JP" altLang="en-US" dirty="0"/>
               <a:t>第 </a:t>
             </a:r>
             <a:r>
-              <a:rPr kumimoji="1" lang="en-US" altLang="ja-JP"/>
+              <a:rPr kumimoji="1" lang="en-US" altLang="ja-JP" dirty="0"/>
               <a:t>3 </a:t>
             </a:r>
             <a:r>
-              <a:rPr kumimoji="1" lang="ja-JP" altLang="en-US"/>
+              <a:rPr kumimoji="1" lang="ja-JP" altLang="en-US" dirty="0"/>
               <a:t>レベル</a:t>
             </a:r>
           </a:p>
           <a:p>
             <a:pPr lvl="3"/>
             <a:r>
-              <a:rPr kumimoji="1" lang="ja-JP" altLang="en-US"/>
+              <a:rPr kumimoji="1" lang="ja-JP" altLang="en-US" dirty="0"/>
               <a:t>第 </a:t>
             </a:r>
             <a:r>
-              <a:rPr kumimoji="1" lang="en-US" altLang="ja-JP"/>
+              <a:rPr kumimoji="1" lang="en-US" altLang="ja-JP" dirty="0"/>
               <a:t>4 </a:t>
             </a:r>
             <a:r>
-              <a:rPr kumimoji="1" lang="ja-JP" altLang="en-US"/>
+              <a:rPr kumimoji="1" lang="ja-JP" altLang="en-US" dirty="0"/>
               <a:t>レベル</a:t>
             </a:r>
           </a:p>
           <a:p>
             <a:pPr lvl="4"/>
             <a:r>
-              <a:rPr kumimoji="1" lang="ja-JP" altLang="en-US"/>
+              <a:rPr kumimoji="1" lang="ja-JP" altLang="en-US" dirty="0"/>
               <a:t>第 </a:t>
             </a:r>
             <a:r>
-              <a:rPr kumimoji="1" lang="en-US" altLang="ja-JP"/>
+              <a:rPr kumimoji="1" lang="en-US" altLang="ja-JP" dirty="0"/>
               <a:t>5 </a:t>
             </a:r>
             <a:r>
-              <a:rPr kumimoji="1" lang="ja-JP" altLang="en-US"/>
+              <a:rPr kumimoji="1" lang="ja-JP" altLang="en-US" dirty="0"/>
               <a:t>レベル</a:t>
             </a:r>
           </a:p>
@@ -1738,10 +1748,10 @@
       </p:grpSpPr>
       <p:sp>
         <p:nvSpPr>
-          <p:cNvPr id="11" name="コンテンツ プレースホルダー 2">
+          <p:cNvPr id="3" name="コンテンツ プレースホルダー 2">
             <a:extLst>
               <a:ext uri="{FF2B5EF4-FFF2-40B4-BE49-F238E27FC236}">
-                <a16:creationId xmlns:a16="http://schemas.microsoft.com/office/drawing/2014/main" id="{FE843983-E72E-F956-F2D6-3936527555DC}"/>
+                <a16:creationId xmlns:a16="http://schemas.microsoft.com/office/drawing/2014/main" id="{17F8FF86-AA81-09B6-2EDE-DF1611077B2E}"/>
               </a:ext>
             </a:extLst>
           </p:cNvPr>
@@ -1749,18 +1759,122 @@
             <a:spLocks noGrp="1"/>
           </p:cNvSpPr>
           <p:nvPr>
-            <p:ph sz="half" idx="13"/>
+            <p:ph sz="half" idx="1"/>
           </p:nvPr>
         </p:nvSpPr>
         <p:spPr>
           <a:xfrm>
             <a:off x="277198" y="914400"/>
-            <a:ext cx="4320000" cy="3862800"/>
+            <a:ext cx="5452646" cy="3862800"/>
           </a:xfrm>
         </p:spPr>
         <p:txBody>
           <a:bodyPr/>
-          <a:lstStyle/>
+          <a:lstStyle>
+            <a:lvl1pPr marL="0" indent="0">
+              <a:buNone/>
+              <a:defRPr/>
+            </a:lvl1pPr>
+          </a:lstStyle>
+          <a:p>
+            <a:pPr lvl="0"/>
+            <a:r>
+              <a:rPr kumimoji="1" lang="ja-JP" altLang="en-US" dirty="0"/>
+              <a:t>マスター テキストの書式設定</a:t>
+            </a:r>
+          </a:p>
+          <a:p>
+            <a:pPr lvl="1"/>
+            <a:r>
+              <a:rPr kumimoji="1" lang="ja-JP" altLang="en-US" dirty="0"/>
+              <a:t>第 </a:t>
+            </a:r>
+            <a:r>
+              <a:rPr kumimoji="1" lang="en-US" altLang="ja-JP" dirty="0"/>
+              <a:t>2 </a:t>
+            </a:r>
+            <a:r>
+              <a:rPr kumimoji="1" lang="ja-JP" altLang="en-US" dirty="0"/>
+              <a:t>レベル</a:t>
+            </a:r>
+          </a:p>
+          <a:p>
+            <a:pPr lvl="2"/>
+            <a:r>
+              <a:rPr kumimoji="1" lang="ja-JP" altLang="en-US" dirty="0"/>
+              <a:t>第 </a:t>
+            </a:r>
+            <a:r>
+              <a:rPr kumimoji="1" lang="en-US" altLang="ja-JP" dirty="0"/>
+              <a:t>3 </a:t>
+            </a:r>
+            <a:r>
+              <a:rPr kumimoji="1" lang="ja-JP" altLang="en-US" dirty="0"/>
+              <a:t>レベル</a:t>
+            </a:r>
+          </a:p>
+          <a:p>
+            <a:pPr lvl="3"/>
+            <a:r>
+              <a:rPr kumimoji="1" lang="ja-JP" altLang="en-US" dirty="0"/>
+              <a:t>第 </a:t>
+            </a:r>
+            <a:r>
+              <a:rPr kumimoji="1" lang="en-US" altLang="ja-JP" dirty="0"/>
+              <a:t>4 </a:t>
+            </a:r>
+            <a:r>
+              <a:rPr kumimoji="1" lang="ja-JP" altLang="en-US" dirty="0"/>
+              <a:t>レベル</a:t>
+            </a:r>
+          </a:p>
+          <a:p>
+            <a:pPr lvl="4"/>
+            <a:r>
+              <a:rPr kumimoji="1" lang="ja-JP" altLang="en-US" dirty="0"/>
+              <a:t>第 </a:t>
+            </a:r>
+            <a:r>
+              <a:rPr kumimoji="1" lang="en-US" altLang="ja-JP" dirty="0"/>
+              <a:t>5 </a:t>
+            </a:r>
+            <a:r>
+              <a:rPr kumimoji="1" lang="ja-JP" altLang="en-US" dirty="0"/>
+              <a:t>レベル</a:t>
+            </a:r>
+          </a:p>
+        </p:txBody>
+      </p:sp>
+      <p:sp>
+        <p:nvSpPr>
+          <p:cNvPr id="4" name="コンテンツ プレースホルダー 3">
+            <a:extLst>
+              <a:ext uri="{FF2B5EF4-FFF2-40B4-BE49-F238E27FC236}">
+                <a16:creationId xmlns:a16="http://schemas.microsoft.com/office/drawing/2014/main" id="{A145AA76-2892-B339-41AF-FA58B545EBC7}"/>
+              </a:ext>
+            </a:extLst>
+          </p:cNvPr>
+          <p:cNvSpPr>
+            <a:spLocks noGrp="1"/>
+          </p:cNvSpPr>
+          <p:nvPr>
+            <p:ph sz="half" idx="2"/>
+          </p:nvPr>
+        </p:nvSpPr>
+        <p:spPr>
+          <a:xfrm>
+            <a:off x="5729844" y="914400"/>
+            <a:ext cx="3270156" cy="3862800"/>
+          </a:xfrm>
+        </p:spPr>
+        <p:txBody>
+          <a:bodyPr/>
+          <a:lstStyle>
+            <a:lvl1pPr marL="0" indent="0">
+              <a:buNone/>
+              <a:defRPr/>
+            </a:lvl1pPr>
+          </a:lstStyle>
           <a:p>
             <a:pPr lvl="0"/>
             <a:r>
@@ -1860,94 +1974,6 @@
             <a:r>
               <a:rPr kumimoji="1" lang="ja-JP" altLang="en-US" dirty="0"/>
               <a:t>マスター タイトルの書式設定</a:t>
-            </a:r>
-          </a:p>
-        </p:txBody>
-      </p:sp>
-      <p:sp>
-        <p:nvSpPr>
-          <p:cNvPr id="6" name="コンテンツ プレースホルダー 5"/>
-          <p:cNvSpPr>
-            <a:spLocks noGrp="1"/>
-          </p:cNvSpPr>
-          <p:nvPr>
-            <p:ph sz="quarter" idx="4"/>
-          </p:nvPr>
-        </p:nvSpPr>
-        <p:spPr>
-          <a:xfrm>
-            <a:off x="4629150" y="914400"/>
-            <a:ext cx="3887391" cy="3727847"/>
-          </a:xfrm>
-        </p:spPr>
-        <p:txBody>
-          <a:bodyPr/>
-          <a:lstStyle/>
-          <a:p>
-            <a:pPr lvl="0"/>
-            <a:r>
-              <a:rPr kumimoji="1" lang="ja-JP" altLang="en-US" dirty="0"/>
-              <a:t>マスター テキストの書式設定</a:t>
-            </a:r>
-          </a:p>
-          <a:p>
-            <a:pPr lvl="1"/>
-            <a:r>
-              <a:rPr kumimoji="1" lang="ja-JP" altLang="en-US" dirty="0"/>
-              <a:t>第 </a:t>
-            </a:r>
-            <a:r>
-              <a:rPr kumimoji="1" lang="en-US" altLang="ja-JP" dirty="0"/>
-              <a:t>2 </a:t>
-            </a:r>
-            <a:r>
-              <a:rPr kumimoji="1" lang="ja-JP" altLang="en-US" dirty="0"/>
-              <a:t>レベル</a:t>
-            </a:r>
-          </a:p>
-          <a:p>
-            <a:pPr lvl="2"/>
-            <a:r>
-              <a:rPr kumimoji="1" lang="ja-JP" altLang="en-US" dirty="0"/>
-              <a:t>第 </a:t>
-            </a:r>
-            <a:r>
-              <a:rPr kumimoji="1" lang="en-US" altLang="ja-JP" dirty="0"/>
-              <a:t>3 </a:t>
-            </a:r>
-            <a:r>
-              <a:rPr kumimoji="1" lang="ja-JP" altLang="en-US" dirty="0"/>
-              <a:t>レベル</a:t>
-            </a:r>
-          </a:p>
-          <a:p>
-            <a:pPr lvl="3"/>
-            <a:r>
-              <a:rPr kumimoji="1" lang="ja-JP" altLang="en-US" dirty="0"/>
-              <a:t>第 </a:t>
-            </a:r>
-            <a:r>
-              <a:rPr kumimoji="1" lang="en-US" altLang="ja-JP" dirty="0"/>
-              <a:t>4 </a:t>
-            </a:r>
-            <a:r>
-              <a:rPr kumimoji="1" lang="ja-JP" altLang="en-US" dirty="0"/>
-              <a:t>レベル</a:t>
-            </a:r>
-          </a:p>
-          <a:p>
-            <a:pPr lvl="4"/>
-            <a:r>
-              <a:rPr kumimoji="1" lang="ja-JP" altLang="en-US" dirty="0"/>
-              <a:t>第 </a:t>
-            </a:r>
-            <a:r>
-              <a:rPr kumimoji="1" lang="en-US" altLang="ja-JP" dirty="0"/>
-              <a:t>5 </a:t>
-            </a:r>
-            <a:r>
-              <a:rPr kumimoji="1" lang="ja-JP" altLang="en-US" dirty="0"/>
-              <a:t>レベル</a:t>
             </a:r>
           </a:p>
         </p:txBody>
@@ -2158,7 +2184,7 @@
 </file>
 
 <file path=ppt/slideLayouts/slideLayout7.xml><?xml version="1.0" encoding="utf-8"?>
-<p:sldLayout xmlns:a="http://schemas.openxmlformats.org/drawingml/2006/main" xmlns:r="http://schemas.openxmlformats.org/officeDocument/2006/relationships" xmlns:p="http://schemas.openxmlformats.org/presentationml/2006/main" type="picTx" preserve="1">
+<p:sldLayout xmlns:a="http://schemas.openxmlformats.org/drawingml/2006/main" xmlns:r="http://schemas.openxmlformats.org/officeDocument/2006/relationships" xmlns:p="http://schemas.openxmlformats.org/presentationml/2006/main" preserve="1" userDrawn="1">
   <p:cSld name="Content with Caption">
     <p:spTree>
       <p:nvGrpSpPr>
@@ -2176,31 +2202,186 @@
       </p:grpSpPr>
       <p:sp>
         <p:nvSpPr>
-          <p:cNvPr id="2" name="タイトル 1"/>
-          <p:cNvSpPr>
-            <a:spLocks noGrp="1"/>
-          </p:cNvSpPr>
-          <p:nvPr>
-            <p:ph type="title"/>
-          </p:nvPr>
-        </p:nvSpPr>
-        <p:spPr>
-          <a:xfrm>
-            <a:off x="629841" y="342900"/>
-            <a:ext cx="2949178" cy="1200150"/>
-          </a:xfrm>
-        </p:spPr>
-        <p:txBody>
-          <a:bodyPr anchor="b"/>
+          <p:cNvPr id="2" name="コンテンツ プレースホルダー 2">
+            <a:extLst>
+              <a:ext uri="{FF2B5EF4-FFF2-40B4-BE49-F238E27FC236}">
+                <a16:creationId xmlns:a16="http://schemas.microsoft.com/office/drawing/2014/main" id="{8158718A-D07A-23EA-9737-543596C4868F}"/>
+              </a:ext>
+            </a:extLst>
+          </p:cNvPr>
+          <p:cNvSpPr>
+            <a:spLocks noGrp="1"/>
+          </p:cNvSpPr>
+          <p:nvPr>
+            <p:ph sz="half" idx="14"/>
+          </p:nvPr>
+        </p:nvSpPr>
+        <p:spPr>
+          <a:xfrm>
+            <a:off x="277198" y="914400"/>
+            <a:ext cx="5452646" cy="3862800"/>
+          </a:xfrm>
+        </p:spPr>
+        <p:txBody>
+          <a:bodyPr/>
           <a:lstStyle>
-            <a:lvl1pPr>
-              <a:defRPr sz="2400"/>
+            <a:lvl1pPr marL="0" indent="0">
+              <a:buNone/>
+              <a:defRPr/>
             </a:lvl1pPr>
           </a:lstStyle>
           <a:p>
-            <a:r>
-              <a:rPr kumimoji="1" lang="ja-JP" altLang="en-US"/>
-              <a:t>マスター タイトルの書式設定</a:t>
+            <a:pPr lvl="0"/>
+            <a:r>
+              <a:rPr kumimoji="1" lang="ja-JP" altLang="en-US" dirty="0"/>
+              <a:t>マスター テキストの書式設定</a:t>
+            </a:r>
+          </a:p>
+          <a:p>
+            <a:pPr lvl="1"/>
+            <a:r>
+              <a:rPr kumimoji="1" lang="ja-JP" altLang="en-US" dirty="0"/>
+              <a:t>第 </a:t>
+            </a:r>
+            <a:r>
+              <a:rPr kumimoji="1" lang="en-US" altLang="ja-JP" dirty="0"/>
+              <a:t>2 </a:t>
+            </a:r>
+            <a:r>
+              <a:rPr kumimoji="1" lang="ja-JP" altLang="en-US" dirty="0"/>
+              <a:t>レベル</a:t>
+            </a:r>
+          </a:p>
+          <a:p>
+            <a:pPr lvl="2"/>
+            <a:r>
+              <a:rPr kumimoji="1" lang="ja-JP" altLang="en-US" dirty="0"/>
+              <a:t>第 </a:t>
+            </a:r>
+            <a:r>
+              <a:rPr kumimoji="1" lang="en-US" altLang="ja-JP" dirty="0"/>
+              <a:t>3 </a:t>
+            </a:r>
+            <a:r>
+              <a:rPr kumimoji="1" lang="ja-JP" altLang="en-US" dirty="0"/>
+              <a:t>レベル</a:t>
+            </a:r>
+          </a:p>
+          <a:p>
+            <a:pPr lvl="3"/>
+            <a:r>
+              <a:rPr kumimoji="1" lang="ja-JP" altLang="en-US" dirty="0"/>
+              <a:t>第 </a:t>
+            </a:r>
+            <a:r>
+              <a:rPr kumimoji="1" lang="en-US" altLang="ja-JP" dirty="0"/>
+              <a:t>4 </a:t>
+            </a:r>
+            <a:r>
+              <a:rPr kumimoji="1" lang="ja-JP" altLang="en-US" dirty="0"/>
+              <a:t>レベル</a:t>
+            </a:r>
+          </a:p>
+          <a:p>
+            <a:pPr lvl="4"/>
+            <a:r>
+              <a:rPr kumimoji="1" lang="ja-JP" altLang="en-US" dirty="0"/>
+              <a:t>第 </a:t>
+            </a:r>
+            <a:r>
+              <a:rPr kumimoji="1" lang="en-US" altLang="ja-JP" dirty="0"/>
+              <a:t>5 </a:t>
+            </a:r>
+            <a:r>
+              <a:rPr kumimoji="1" lang="ja-JP" altLang="en-US" dirty="0"/>
+              <a:t>レベル</a:t>
+            </a:r>
+          </a:p>
+        </p:txBody>
+      </p:sp>
+      <p:sp>
+        <p:nvSpPr>
+          <p:cNvPr id="8" name="コンテンツ プレースホルダー 2">
+            <a:extLst>
+              <a:ext uri="{FF2B5EF4-FFF2-40B4-BE49-F238E27FC236}">
+                <a16:creationId xmlns:a16="http://schemas.microsoft.com/office/drawing/2014/main" id="{B0523F7F-113E-7303-E78E-8CB6F5D8B4A3}"/>
+              </a:ext>
+            </a:extLst>
+          </p:cNvPr>
+          <p:cNvSpPr>
+            <a:spLocks noGrp="1"/>
+          </p:cNvSpPr>
+          <p:nvPr>
+            <p:ph sz="half" idx="13"/>
+          </p:nvPr>
+        </p:nvSpPr>
+        <p:spPr>
+          <a:xfrm>
+            <a:off x="277198" y="914400"/>
+            <a:ext cx="4320000" cy="3862800"/>
+          </a:xfrm>
+        </p:spPr>
+        <p:txBody>
+          <a:bodyPr/>
+          <a:lstStyle/>
+          <a:p>
+            <a:pPr lvl="0"/>
+            <a:r>
+              <a:rPr kumimoji="1" lang="ja-JP" altLang="en-US" dirty="0"/>
+              <a:t>マスター テキストの書式設定</a:t>
+            </a:r>
+          </a:p>
+          <a:p>
+            <a:pPr lvl="1"/>
+            <a:r>
+              <a:rPr kumimoji="1" lang="ja-JP" altLang="en-US" dirty="0"/>
+              <a:t>第 </a:t>
+            </a:r>
+            <a:r>
+              <a:rPr kumimoji="1" lang="en-US" altLang="ja-JP" dirty="0"/>
+              <a:t>2 </a:t>
+            </a:r>
+            <a:r>
+              <a:rPr kumimoji="1" lang="ja-JP" altLang="en-US" dirty="0"/>
+              <a:t>レベル</a:t>
+            </a:r>
+          </a:p>
+          <a:p>
+            <a:pPr lvl="2"/>
+            <a:r>
+              <a:rPr kumimoji="1" lang="ja-JP" altLang="en-US" dirty="0"/>
+              <a:t>第 </a:t>
+            </a:r>
+            <a:r>
+              <a:rPr kumimoji="1" lang="en-US" altLang="ja-JP" dirty="0"/>
+              <a:t>3 </a:t>
+            </a:r>
+            <a:r>
+              <a:rPr kumimoji="1" lang="ja-JP" altLang="en-US" dirty="0"/>
+              <a:t>レベ第 </a:t>
+            </a:r>
+            <a:r>
+              <a:rPr kumimoji="1" lang="en-US" altLang="ja-JP" dirty="0"/>
+              <a:t>4 </a:t>
+            </a:r>
+            <a:r>
+              <a:rPr kumimoji="1" lang="ja-JP" altLang="en-US" dirty="0"/>
+              <a:t>レベル</a:t>
+            </a:r>
+          </a:p>
+          <a:p>
+            <a:pPr lvl="4"/>
+            <a:r>
+              <a:rPr kumimoji="1" lang="ja-JP" altLang="en-US" dirty="0"/>
+              <a:t>第 </a:t>
+            </a:r>
+            <a:r>
+              <a:rPr kumimoji="1" lang="en-US" altLang="ja-JP" dirty="0"/>
+              <a:t>5 </a:t>
+            </a:r>
+            <a:r>
+              <a:rPr kumimoji="1" lang="ja-JP" altLang="en-US" dirty="0"/>
+              <a:t>レベル</a:t>
             </a:r>
           </a:p>
         </p:txBody>
@@ -2217,8 +2398,8 @@
         </p:nvSpPr>
         <p:spPr>
           <a:xfrm>
-            <a:off x="3887391" y="740569"/>
-            <a:ext cx="4629150" cy="3655219"/>
+            <a:off x="5729844" y="914400"/>
+            <a:ext cx="2786696" cy="3862800"/>
           </a:xfrm>
         </p:spPr>
         <p:txBody>
@@ -2262,72 +2443,7 @@
             </a:lvl9pPr>
           </a:lstStyle>
           <a:p>
-            <a:endParaRPr kumimoji="1" lang="ja-JP" altLang="en-US"/>
-          </a:p>
-        </p:txBody>
-      </p:sp>
-      <p:sp>
-        <p:nvSpPr>
-          <p:cNvPr id="4" name="テキスト プレースホルダー 3"/>
-          <p:cNvSpPr>
-            <a:spLocks noGrp="1"/>
-          </p:cNvSpPr>
-          <p:nvPr>
-            <p:ph type="body" sz="half" idx="2"/>
-          </p:nvPr>
-        </p:nvSpPr>
-        <p:spPr>
-          <a:xfrm>
-            <a:off x="629841" y="1543050"/>
-            <a:ext cx="2949178" cy="2858691"/>
-          </a:xfrm>
-        </p:spPr>
-        <p:txBody>
-          <a:bodyPr/>
-          <a:lstStyle>
-            <a:lvl1pPr marL="0" indent="0">
-              <a:buNone/>
-              <a:defRPr sz="1200"/>
-            </a:lvl1pPr>
-            <a:lvl2pPr marL="342900" indent="0">
-              <a:buNone/>
-              <a:defRPr sz="1050"/>
-            </a:lvl2pPr>
-            <a:lvl3pPr marL="685800" indent="0">
-              <a:buNone/>
-              <a:defRPr sz="900"/>
-            </a:lvl3pPr>
-            <a:lvl4pPr marL="1028700" indent="0">
-              <a:buNone/>
-              <a:defRPr sz="750"/>
-            </a:lvl4pPr>
-            <a:lvl5pPr marL="1371600" indent="0">
-              <a:buNone/>
-              <a:defRPr sz="750"/>
-            </a:lvl5pPr>
-            <a:lvl6pPr marL="1714500" indent="0">
-              <a:buNone/>
-              <a:defRPr sz="750"/>
-            </a:lvl6pPr>
-            <a:lvl7pPr marL="2057400" indent="0">
-              <a:buNone/>
-              <a:defRPr sz="750"/>
-            </a:lvl7pPr>
-            <a:lvl8pPr marL="2400300" indent="0">
-              <a:buNone/>
-              <a:defRPr sz="750"/>
-            </a:lvl8pPr>
-            <a:lvl9pPr marL="2743200" indent="0">
-              <a:buNone/>
-              <a:defRPr sz="750"/>
-            </a:lvl9pPr>
-          </a:lstStyle>
-          <a:p>
-            <a:pPr lvl="0"/>
-            <a:r>
-              <a:rPr kumimoji="1" lang="ja-JP" altLang="en-US"/>
-              <a:t>マスター テキストの書式設定</a:t>
-            </a:r>
+            <a:endParaRPr kumimoji="1" lang="ja-JP" altLang="en-US" dirty="0"/>
           </a:p>
         </p:txBody>
       </p:sp>
@@ -2409,6 +2525,61 @@
               <a:t>‹#›</a:t>
             </a:fld>
             <a:endParaRPr kumimoji="1" lang="ja-JP" altLang="en-US"/>
+          </a:p>
+        </p:txBody>
+      </p:sp>
+      <p:sp>
+        <p:nvSpPr>
+          <p:cNvPr id="9" name="タイトル 1">
+            <a:extLst>
+              <a:ext uri="{FF2B5EF4-FFF2-40B4-BE49-F238E27FC236}">
+                <a16:creationId xmlns:a16="http://schemas.microsoft.com/office/drawing/2014/main" id="{263224F2-6FF6-C0B9-47B3-270D6332FB8E}"/>
+              </a:ext>
+            </a:extLst>
+          </p:cNvPr>
+          <p:cNvSpPr txBox="1">
+            <a:spLocks/>
+          </p:cNvSpPr>
+          <p:nvPr userDrawn="1"/>
+        </p:nvSpPr>
+        <p:spPr>
+          <a:xfrm>
+            <a:off x="270001" y="219600"/>
+            <a:ext cx="8245350" cy="389010"/>
+          </a:xfrm>
+          <a:prstGeom prst="rect">
+            <a:avLst/>
+          </a:prstGeom>
+        </p:spPr>
+        <p:txBody>
+          <a:bodyPr vert="horz" lIns="0" tIns="0" rIns="0" bIns="0" rtlCol="0" anchor="b" anchorCtr="0">
+            <a:normAutofit/>
+          </a:bodyPr>
+          <a:lstStyle>
+            <a:lvl1pPr algn="l" defTabSz="685800" rtl="0" eaLnBrk="1" latinLnBrk="0" hangingPunct="1">
+              <a:lnSpc>
+                <a:spcPct val="90000"/>
+              </a:lnSpc>
+              <a:spcBef>
+                <a:spcPct val="0"/>
+              </a:spcBef>
+              <a:buNone/>
+              <a:defRPr kumimoji="1" lang="ja-JP" altLang="en-US" sz="1600" kern="1200">
+                <a:solidFill>
+                  <a:schemeClr val="tx1"/>
+                </a:solidFill>
+                <a:latin typeface="Arial" panose="020B0604020202020204" pitchFamily="34" charset="0"/>
+                <a:ea typeface="ＭＳ Ｐゴシック" panose="020B0600070205080204" pitchFamily="50" charset="-128"/>
+                <a:cs typeface="Arial" panose="020B0604020202020204" pitchFamily="34" charset="0"/>
+              </a:defRPr>
+            </a:lvl1pPr>
+          </a:lstStyle>
+          <a:p>
+            <a:r>
+              <a:rPr lang="ja-JP" altLang="en-US"/>
+              <a:t>マスター タイトルの書式設定</a:t>
+            </a:r>
+            <a:endParaRPr lang="ja-JP" altLang="en-US" dirty="0"/>
           </a:p>
         </p:txBody>
       </p:sp>
